--- a/Presentations/Presentation09.pptx
+++ b/Presentations/Presentation09.pptx
@@ -5,16 +5,19 @@
     <p:sldMasterId id="2147483657" r:id="rId4"/>
   </p:sldMasterIdLst>
   <p:notesMasterIdLst>
-    <p:notesMasterId r:id="rId9"/>
+    <p:notesMasterId r:id="rId12"/>
   </p:notesMasterIdLst>
   <p:handoutMasterIdLst>
-    <p:handoutMasterId r:id="rId10"/>
+    <p:handoutMasterId r:id="rId13"/>
   </p:handoutMasterIdLst>
   <p:sldIdLst>
     <p:sldId id="256" r:id="rId5"/>
     <p:sldId id="299" r:id="rId6"/>
     <p:sldId id="300" r:id="rId7"/>
     <p:sldId id="302" r:id="rId8"/>
+    <p:sldId id="303" r:id="rId9"/>
+    <p:sldId id="304" r:id="rId10"/>
+    <p:sldId id="305" r:id="rId11"/>
   </p:sldIdLst>
   <p:sldSz cx="12192000" cy="6858000"/>
   <p:notesSz cx="6858000" cy="9144000"/>
@@ -7203,6 +7206,853 @@
     <p:extLst>
       <p:ext uri="{BB962C8B-B14F-4D97-AF65-F5344CB8AC3E}">
         <p14:creationId xmlns:p14="http://schemas.microsoft.com/office/powerpoint/2010/main" val="3580128069"/>
+      </p:ext>
+    </p:extLst>
+  </p:cSld>
+  <p:clrMapOvr>
+    <a:masterClrMapping/>
+  </p:clrMapOvr>
+</p:sld>
+</file>
+
+<file path=ppt/slides/slide5.xml><?xml version="1.0" encoding="utf-8"?>
+<p:sld xmlns:a="http://schemas.openxmlformats.org/drawingml/2006/main" xmlns:r="http://schemas.openxmlformats.org/officeDocument/2006/relationships" xmlns:p="http://schemas.openxmlformats.org/presentationml/2006/main">
+  <p:cSld>
+    <p:spTree>
+      <p:nvGrpSpPr>
+        <p:cNvPr id="1" name="">
+          <a:extLst>
+            <a:ext uri="{FF2B5EF4-FFF2-40B4-BE49-F238E27FC236}">
+              <a16:creationId xmlns:a16="http://schemas.microsoft.com/office/drawing/2014/main" id="{8812B59C-2E86-E957-14A4-9FCA4AFBB98E}"/>
+            </a:ext>
+          </a:extLst>
+        </p:cNvPr>
+        <p:cNvGrpSpPr/>
+        <p:nvPr/>
+      </p:nvGrpSpPr>
+      <p:grpSpPr>
+        <a:xfrm>
+          <a:off x="0" y="0"/>
+          <a:ext cx="0" cy="0"/>
+          <a:chOff x="0" y="0"/>
+          <a:chExt cx="0" cy="0"/>
+        </a:xfrm>
+      </p:grpSpPr>
+      <p:sp>
+        <p:nvSpPr>
+          <p:cNvPr id="2" name="Zástupný symbol pro zápatí 1">
+            <a:extLst>
+              <a:ext uri="{FF2B5EF4-FFF2-40B4-BE49-F238E27FC236}">
+                <a16:creationId xmlns:a16="http://schemas.microsoft.com/office/drawing/2014/main" id="{BCA6519D-32D0-7FC3-80C8-BD8DE89CE8E1}"/>
+              </a:ext>
+            </a:extLst>
+          </p:cNvPr>
+          <p:cNvSpPr>
+            <a:spLocks noGrp="1"/>
+          </p:cNvSpPr>
+          <p:nvPr>
+            <p:ph type="ftr" sz="quarter" idx="10"/>
+          </p:nvPr>
+        </p:nvSpPr>
+        <p:spPr/>
+        <p:txBody>
+          <a:bodyPr/>
+          <a:lstStyle/>
+          <a:p>
+            <a:r>
+              <a:rPr lang="cs-CZ" dirty="0"/>
+              <a:t>PV293 - Softwarové architektury</a:t>
+            </a:r>
+          </a:p>
+        </p:txBody>
+      </p:sp>
+      <p:sp>
+        <p:nvSpPr>
+          <p:cNvPr id="3" name="Zástupný symbol pro číslo snímku 2">
+            <a:extLst>
+              <a:ext uri="{FF2B5EF4-FFF2-40B4-BE49-F238E27FC236}">
+                <a16:creationId xmlns:a16="http://schemas.microsoft.com/office/drawing/2014/main" id="{00FB85F0-284B-0285-B93D-AF60416BC542}"/>
+              </a:ext>
+            </a:extLst>
+          </p:cNvPr>
+          <p:cNvSpPr>
+            <a:spLocks noGrp="1"/>
+          </p:cNvSpPr>
+          <p:nvPr>
+            <p:ph type="sldNum" sz="quarter" idx="11"/>
+          </p:nvPr>
+        </p:nvSpPr>
+        <p:spPr/>
+        <p:txBody>
+          <a:bodyPr/>
+          <a:lstStyle/>
+          <a:p>
+            <a:fld id="{0970407D-EE58-4A0B-824B-1D3AE42DD9CF}" type="slidenum">
+              <a:rPr lang="en-GB" altLang="cs-CZ" noProof="0" smtClean="0"/>
+              <a:pPr/>
+              <a:t>5</a:t>
+            </a:fld>
+            <a:endParaRPr lang="en-GB" altLang="cs-CZ" noProof="0" dirty="0"/>
+          </a:p>
+        </p:txBody>
+      </p:sp>
+      <p:sp>
+        <p:nvSpPr>
+          <p:cNvPr id="4" name="Nadpis 3">
+            <a:extLst>
+              <a:ext uri="{FF2B5EF4-FFF2-40B4-BE49-F238E27FC236}">
+                <a16:creationId xmlns:a16="http://schemas.microsoft.com/office/drawing/2014/main" id="{B0697F9C-C48C-E2A0-2CB7-7F4F2F24D56C}"/>
+              </a:ext>
+            </a:extLst>
+          </p:cNvPr>
+          <p:cNvSpPr>
+            <a:spLocks noGrp="1"/>
+          </p:cNvSpPr>
+          <p:nvPr>
+            <p:ph type="title"/>
+          </p:nvPr>
+        </p:nvSpPr>
+        <p:spPr/>
+        <p:txBody>
+          <a:bodyPr/>
+          <a:lstStyle/>
+          <a:p>
+            <a:r>
+              <a:rPr lang="cs-CZ" dirty="0"/>
+              <a:t>SQL </a:t>
+            </a:r>
+            <a:r>
+              <a:rPr lang="cs-CZ" dirty="0" err="1"/>
+              <a:t>Db</a:t>
+            </a:r>
+            <a:endParaRPr lang="en-US" dirty="0"/>
+          </a:p>
+        </p:txBody>
+      </p:sp>
+      <p:pic>
+        <p:nvPicPr>
+          <p:cNvPr id="9" name="Zástupný obsah 8" descr="Obsah obrázku text, snímek obrazovky, Písmo, číslo&#10;&#10;Obsah generovaný pomocí AI může být nesprávný.">
+            <a:extLst>
+              <a:ext uri="{FF2B5EF4-FFF2-40B4-BE49-F238E27FC236}">
+                <a16:creationId xmlns:a16="http://schemas.microsoft.com/office/drawing/2014/main" id="{40C237D3-3278-A4EA-A469-380231471666}"/>
+              </a:ext>
+            </a:extLst>
+          </p:cNvPr>
+          <p:cNvPicPr>
+            <a:picLocks noGrp="1" noChangeAspect="1"/>
+          </p:cNvPicPr>
+          <p:nvPr>
+            <p:ph idx="1"/>
+          </p:nvPr>
+        </p:nvPicPr>
+        <p:blipFill>
+          <a:blip r:embed="rId2">
+            <a:extLst>
+              <a:ext uri="{28A0092B-C50C-407E-A947-70E740481C1C}">
+                <a14:useLocalDpi xmlns:a14="http://schemas.microsoft.com/office/drawing/2010/main" val="0"/>
+              </a:ext>
+            </a:extLst>
+          </a:blip>
+          <a:stretch>
+            <a:fillRect/>
+          </a:stretch>
+        </p:blipFill>
+        <p:spPr>
+          <a:xfrm>
+            <a:off x="1266323" y="1982742"/>
+            <a:ext cx="2396834" cy="1999569"/>
+          </a:xfrm>
+        </p:spPr>
+      </p:pic>
+      <p:pic>
+        <p:nvPicPr>
+          <p:cNvPr id="11" name="Obrázek 10" descr="Obsah obrázku text, snímek obrazovky, Písmo, číslo&#10;&#10;Obsah generovaný pomocí AI může být nesprávný.">
+            <a:extLst>
+              <a:ext uri="{FF2B5EF4-FFF2-40B4-BE49-F238E27FC236}">
+                <a16:creationId xmlns:a16="http://schemas.microsoft.com/office/drawing/2014/main" id="{72B4E71E-23D0-BD27-4705-7B58D9BC495C}"/>
+              </a:ext>
+            </a:extLst>
+          </p:cNvPr>
+          <p:cNvPicPr>
+            <a:picLocks noChangeAspect="1"/>
+          </p:cNvPicPr>
+          <p:nvPr/>
+        </p:nvPicPr>
+        <p:blipFill>
+          <a:blip r:embed="rId3">
+            <a:extLst>
+              <a:ext uri="{28A0092B-C50C-407E-A947-70E740481C1C}">
+                <a14:useLocalDpi xmlns:a14="http://schemas.microsoft.com/office/drawing/2010/main" val="0"/>
+              </a:ext>
+            </a:extLst>
+          </a:blip>
+          <a:stretch>
+            <a:fillRect/>
+          </a:stretch>
+        </p:blipFill>
+        <p:spPr>
+          <a:xfrm>
+            <a:off x="4896329" y="3417265"/>
+            <a:ext cx="1724025" cy="1438275"/>
+          </a:xfrm>
+          <a:prstGeom prst="rect">
+            <a:avLst/>
+          </a:prstGeom>
+        </p:spPr>
+      </p:pic>
+      <p:cxnSp>
+        <p:nvCxnSpPr>
+          <p:cNvPr id="13" name="Přímá spojnice se šipkou 12">
+            <a:extLst>
+              <a:ext uri="{FF2B5EF4-FFF2-40B4-BE49-F238E27FC236}">
+                <a16:creationId xmlns:a16="http://schemas.microsoft.com/office/drawing/2014/main" id="{CF37FD41-9314-5605-29BE-F412CEC7FF3C}"/>
+              </a:ext>
+            </a:extLst>
+          </p:cNvPr>
+          <p:cNvCxnSpPr/>
+          <p:nvPr/>
+        </p:nvCxnSpPr>
+        <p:spPr bwMode="auto">
+          <a:xfrm>
+            <a:off x="2177143" y="3982311"/>
+            <a:ext cx="0" cy="597677"/>
+          </a:xfrm>
+          <a:prstGeom prst="straightConnector1">
+            <a:avLst/>
+          </a:prstGeom>
+          <a:solidFill>
+            <a:schemeClr val="accent1"/>
+          </a:solidFill>
+          <a:ln w="9525" cap="flat" cmpd="sng" algn="ctr">
+            <a:solidFill>
+              <a:schemeClr val="tx1"/>
+            </a:solidFill>
+            <a:prstDash val="solid"/>
+            <a:miter lim="800000"/>
+            <a:headEnd type="none" w="med" len="med"/>
+            <a:tailEnd type="triangle"/>
+          </a:ln>
+          <a:effectLst/>
+          <a:extLst>
+            <a:ext uri="{AF507438-7753-43E0-B8FC-AC1667EBCBE1}">
+              <a14:hiddenEffects xmlns:a14="http://schemas.microsoft.com/office/drawing/2010/main">
+                <a:effectLst>
+                  <a:outerShdw dist="35921" dir="2700000" algn="ctr" rotWithShape="0">
+                    <a:schemeClr val="bg2"/>
+                  </a:outerShdw>
+                </a:effectLst>
+              </a14:hiddenEffects>
+            </a:ext>
+          </a:extLst>
+        </p:spPr>
+      </p:cxnSp>
+      <p:cxnSp>
+        <p:nvCxnSpPr>
+          <p:cNvPr id="18" name="Přímá spojnice se šipkou 17">
+            <a:extLst>
+              <a:ext uri="{FF2B5EF4-FFF2-40B4-BE49-F238E27FC236}">
+                <a16:creationId xmlns:a16="http://schemas.microsoft.com/office/drawing/2014/main" id="{524076FE-E2F2-6588-EB0D-8C32483A6472}"/>
+              </a:ext>
+            </a:extLst>
+          </p:cNvPr>
+          <p:cNvCxnSpPr>
+            <a:stCxn id="9" idx="3"/>
+          </p:cNvCxnSpPr>
+          <p:nvPr/>
+        </p:nvCxnSpPr>
+        <p:spPr bwMode="auto">
+          <a:xfrm>
+            <a:off x="3663157" y="2982527"/>
+            <a:ext cx="1233172" cy="0"/>
+          </a:xfrm>
+          <a:prstGeom prst="straightConnector1">
+            <a:avLst/>
+          </a:prstGeom>
+          <a:solidFill>
+            <a:schemeClr val="accent1"/>
+          </a:solidFill>
+          <a:ln w="9525" cap="flat" cmpd="sng" algn="ctr">
+            <a:solidFill>
+              <a:schemeClr val="tx1"/>
+            </a:solidFill>
+            <a:prstDash val="solid"/>
+            <a:miter lim="800000"/>
+            <a:headEnd type="none" w="med" len="med"/>
+            <a:tailEnd type="triangle"/>
+          </a:ln>
+          <a:effectLst/>
+          <a:extLst>
+            <a:ext uri="{AF507438-7753-43E0-B8FC-AC1667EBCBE1}">
+              <a14:hiddenEffects xmlns:a14="http://schemas.microsoft.com/office/drawing/2010/main">
+                <a:effectLst>
+                  <a:outerShdw dist="35921" dir="2700000" algn="ctr" rotWithShape="0">
+                    <a:schemeClr val="bg2"/>
+                  </a:outerShdw>
+                </a:effectLst>
+              </a14:hiddenEffects>
+            </a:ext>
+          </a:extLst>
+        </p:spPr>
+      </p:cxnSp>
+      <p:sp>
+        <p:nvSpPr>
+          <p:cNvPr id="21" name="Obdélník: se zakulacenými rohy 20">
+            <a:extLst>
+              <a:ext uri="{FF2B5EF4-FFF2-40B4-BE49-F238E27FC236}">
+                <a16:creationId xmlns:a16="http://schemas.microsoft.com/office/drawing/2014/main" id="{A05A64BE-3137-8746-381B-20D879EB3BD8}"/>
+              </a:ext>
+            </a:extLst>
+          </p:cNvPr>
+          <p:cNvSpPr/>
+          <p:nvPr/>
+        </p:nvSpPr>
+        <p:spPr bwMode="auto">
+          <a:xfrm>
+            <a:off x="4896329" y="2625323"/>
+            <a:ext cx="1908675" cy="574573"/>
+          </a:xfrm>
+          <a:prstGeom prst="roundRect">
+            <a:avLst/>
+          </a:prstGeom>
+          <a:ln>
+            <a:headEnd type="none" w="med" len="med"/>
+            <a:tailEnd type="none" w="med" len="med"/>
+          </a:ln>
+        </p:spPr>
+        <p:style>
+          <a:lnRef idx="2">
+            <a:schemeClr val="dk1"/>
+          </a:lnRef>
+          <a:fillRef idx="1">
+            <a:schemeClr val="lt1"/>
+          </a:fillRef>
+          <a:effectRef idx="0">
+            <a:schemeClr val="dk1"/>
+          </a:effectRef>
+          <a:fontRef idx="minor">
+            <a:schemeClr val="dk1"/>
+          </a:fontRef>
+        </p:style>
+        <p:txBody>
+          <a:bodyPr vert="horz" wrap="none" lIns="91440" tIns="45720" rIns="91440" bIns="45720" numCol="1" rtlCol="0" anchor="t" anchorCtr="0" compatLnSpc="1">
+            <a:prstTxWarp prst="textNoShape">
+              <a:avLst/>
+            </a:prstTxWarp>
+          </a:bodyPr>
+          <a:lstStyle/>
+          <a:p>
+            <a:pPr marL="0" marR="0" indent="0" algn="l" defTabSz="914400" rtl="0" eaLnBrk="1" fontAlgn="base" latinLnBrk="0" hangingPunct="1">
+              <a:lnSpc>
+                <a:spcPct val="100000"/>
+              </a:lnSpc>
+              <a:spcBef>
+                <a:spcPct val="0"/>
+              </a:spcBef>
+              <a:spcAft>
+                <a:spcPct val="0"/>
+              </a:spcAft>
+              <a:buClrTx/>
+              <a:buSzTx/>
+              <a:buFontTx/>
+              <a:buNone/>
+              <a:tabLst/>
+            </a:pPr>
+            <a:r>
+              <a:rPr kumimoji="0" lang="cs-CZ" sz="2800" b="0" i="0" u="none" strike="noStrike" cap="none" normalizeH="0" baseline="0" dirty="0" err="1">
+                <a:ln w="0"/>
+                <a:solidFill>
+                  <a:schemeClr val="tx1"/>
+                </a:solidFill>
+                <a:effectLst>
+                  <a:outerShdw blurRad="38100" dist="19050" dir="2700000" algn="tl" rotWithShape="0">
+                    <a:schemeClr val="dk1">
+                      <a:alpha val="40000"/>
+                    </a:schemeClr>
+                  </a:outerShdw>
+                </a:effectLst>
+                <a:latin typeface="+mn-lt"/>
+              </a:rPr>
+              <a:t>Addresses</a:t>
+            </a:r>
+            <a:endParaRPr kumimoji="0" lang="en-US" sz="2800" b="0" i="0" u="none" strike="noStrike" cap="none" normalizeH="0" baseline="0" dirty="0" err="1">
+              <a:ln>
+                <a:noFill/>
+              </a:ln>
+              <a:solidFill>
+                <a:schemeClr val="bg1"/>
+              </a:solidFill>
+              <a:effectLst/>
+              <a:latin typeface="+mn-lt"/>
+            </a:endParaRPr>
+          </a:p>
+        </p:txBody>
+      </p:sp>
+      <p:cxnSp>
+        <p:nvCxnSpPr>
+          <p:cNvPr id="23" name="Přímá spojnice se šipkou 22">
+            <a:extLst>
+              <a:ext uri="{FF2B5EF4-FFF2-40B4-BE49-F238E27FC236}">
+                <a16:creationId xmlns:a16="http://schemas.microsoft.com/office/drawing/2014/main" id="{5AC93601-4239-50D4-7EF6-197A3EC8DC00}"/>
+              </a:ext>
+            </a:extLst>
+          </p:cNvPr>
+          <p:cNvCxnSpPr/>
+          <p:nvPr/>
+        </p:nvCxnSpPr>
+        <p:spPr bwMode="auto">
+          <a:xfrm>
+            <a:off x="3663157" y="3476552"/>
+            <a:ext cx="1233172" cy="0"/>
+          </a:xfrm>
+          <a:prstGeom prst="straightConnector1">
+            <a:avLst/>
+          </a:prstGeom>
+          <a:solidFill>
+            <a:schemeClr val="accent1"/>
+          </a:solidFill>
+          <a:ln w="9525" cap="flat" cmpd="sng" algn="ctr">
+            <a:solidFill>
+              <a:schemeClr val="tx1"/>
+            </a:solidFill>
+            <a:prstDash val="solid"/>
+            <a:miter lim="800000"/>
+            <a:headEnd type="none" w="med" len="med"/>
+            <a:tailEnd type="triangle"/>
+          </a:ln>
+          <a:effectLst/>
+          <a:extLst>
+            <a:ext uri="{AF507438-7753-43E0-B8FC-AC1667EBCBE1}">
+              <a14:hiddenEffects xmlns:a14="http://schemas.microsoft.com/office/drawing/2010/main">
+                <a:effectLst>
+                  <a:outerShdw dist="35921" dir="2700000" algn="ctr" rotWithShape="0">
+                    <a:schemeClr val="bg2"/>
+                  </a:outerShdw>
+                </a:effectLst>
+              </a14:hiddenEffects>
+            </a:ext>
+          </a:extLst>
+        </p:spPr>
+      </p:cxnSp>
+      <p:sp>
+        <p:nvSpPr>
+          <p:cNvPr id="26" name="Obdélník: se zakulacenými rohy 25">
+            <a:extLst>
+              <a:ext uri="{FF2B5EF4-FFF2-40B4-BE49-F238E27FC236}">
+                <a16:creationId xmlns:a16="http://schemas.microsoft.com/office/drawing/2014/main" id="{14DD20CE-E9B3-F2E0-39CE-793CFC62A58E}"/>
+              </a:ext>
+            </a:extLst>
+          </p:cNvPr>
+          <p:cNvSpPr/>
+          <p:nvPr/>
+        </p:nvSpPr>
+        <p:spPr bwMode="auto">
+          <a:xfrm>
+            <a:off x="1266323" y="4579988"/>
+            <a:ext cx="1984463" cy="574573"/>
+          </a:xfrm>
+          <a:prstGeom prst="roundRect">
+            <a:avLst/>
+          </a:prstGeom>
+          <a:ln>
+            <a:headEnd type="none" w="med" len="med"/>
+            <a:tailEnd type="none" w="med" len="med"/>
+          </a:ln>
+        </p:spPr>
+        <p:style>
+          <a:lnRef idx="2">
+            <a:schemeClr val="dk1"/>
+          </a:lnRef>
+          <a:fillRef idx="1">
+            <a:schemeClr val="lt1"/>
+          </a:fillRef>
+          <a:effectRef idx="0">
+            <a:schemeClr val="dk1"/>
+          </a:effectRef>
+          <a:fontRef idx="minor">
+            <a:schemeClr val="dk1"/>
+          </a:fontRef>
+        </p:style>
+        <p:txBody>
+          <a:bodyPr vert="horz" wrap="none" lIns="91440" tIns="45720" rIns="91440" bIns="45720" numCol="1" rtlCol="0" anchor="t" anchorCtr="0" compatLnSpc="1">
+            <a:prstTxWarp prst="textNoShape">
+              <a:avLst/>
+            </a:prstTxWarp>
+          </a:bodyPr>
+          <a:lstStyle/>
+          <a:p>
+            <a:pPr marL="0" marR="0" indent="0" algn="l" defTabSz="914400" rtl="0" eaLnBrk="1" fontAlgn="base" latinLnBrk="0" hangingPunct="1">
+              <a:lnSpc>
+                <a:spcPct val="100000"/>
+              </a:lnSpc>
+              <a:spcBef>
+                <a:spcPct val="0"/>
+              </a:spcBef>
+              <a:spcAft>
+                <a:spcPct val="0"/>
+              </a:spcAft>
+              <a:buClrTx/>
+              <a:buSzTx/>
+              <a:buFontTx/>
+              <a:buNone/>
+              <a:tabLst/>
+            </a:pPr>
+            <a:r>
+              <a:rPr lang="cs-CZ" sz="2800" dirty="0" err="1">
+                <a:ln w="0"/>
+                <a:solidFill>
+                  <a:schemeClr val="tx1"/>
+                </a:solidFill>
+                <a:effectLst>
+                  <a:outerShdw blurRad="38100" dist="19050" dir="2700000" algn="tl" rotWithShape="0">
+                    <a:schemeClr val="dk1">
+                      <a:alpha val="40000"/>
+                    </a:schemeClr>
+                  </a:outerShdw>
+                </a:effectLst>
+              </a:rPr>
+              <a:t>Customers</a:t>
+            </a:r>
+            <a:endParaRPr kumimoji="0" lang="en-US" sz="2800" b="0" i="0" u="none" strike="noStrike" cap="none" normalizeH="0" baseline="0" dirty="0" err="1">
+              <a:ln>
+                <a:noFill/>
+              </a:ln>
+              <a:solidFill>
+                <a:schemeClr val="bg1"/>
+              </a:solidFill>
+              <a:effectLst/>
+              <a:latin typeface="+mn-lt"/>
+            </a:endParaRPr>
+          </a:p>
+        </p:txBody>
+      </p:sp>
+    </p:spTree>
+    <p:extLst>
+      <p:ext uri="{BB962C8B-B14F-4D97-AF65-F5344CB8AC3E}">
+        <p14:creationId xmlns:p14="http://schemas.microsoft.com/office/powerpoint/2010/main" val="1142156737"/>
+      </p:ext>
+    </p:extLst>
+  </p:cSld>
+  <p:clrMapOvr>
+    <a:masterClrMapping/>
+  </p:clrMapOvr>
+</p:sld>
+</file>
+
+<file path=ppt/slides/slide6.xml><?xml version="1.0" encoding="utf-8"?>
+<p:sld xmlns:a="http://schemas.openxmlformats.org/drawingml/2006/main" xmlns:r="http://schemas.openxmlformats.org/officeDocument/2006/relationships" xmlns:p="http://schemas.openxmlformats.org/presentationml/2006/main">
+  <p:cSld>
+    <p:spTree>
+      <p:nvGrpSpPr>
+        <p:cNvPr id="1" name="">
+          <a:extLst>
+            <a:ext uri="{FF2B5EF4-FFF2-40B4-BE49-F238E27FC236}">
+              <a16:creationId xmlns:a16="http://schemas.microsoft.com/office/drawing/2014/main" id="{EEC9573C-6217-4856-4179-B101830EA521}"/>
+            </a:ext>
+          </a:extLst>
+        </p:cNvPr>
+        <p:cNvGrpSpPr/>
+        <p:nvPr/>
+      </p:nvGrpSpPr>
+      <p:grpSpPr>
+        <a:xfrm>
+          <a:off x="0" y="0"/>
+          <a:ext cx="0" cy="0"/>
+          <a:chOff x="0" y="0"/>
+          <a:chExt cx="0" cy="0"/>
+        </a:xfrm>
+      </p:grpSpPr>
+      <p:sp>
+        <p:nvSpPr>
+          <p:cNvPr id="2" name="Zástupný symbol pro zápatí 1">
+            <a:extLst>
+              <a:ext uri="{FF2B5EF4-FFF2-40B4-BE49-F238E27FC236}">
+                <a16:creationId xmlns:a16="http://schemas.microsoft.com/office/drawing/2014/main" id="{7121E673-E97B-EC5C-8AF7-E44391B078CC}"/>
+              </a:ext>
+            </a:extLst>
+          </p:cNvPr>
+          <p:cNvSpPr>
+            <a:spLocks noGrp="1"/>
+          </p:cNvSpPr>
+          <p:nvPr>
+            <p:ph type="ftr" sz="quarter" idx="10"/>
+          </p:nvPr>
+        </p:nvSpPr>
+        <p:spPr/>
+        <p:txBody>
+          <a:bodyPr/>
+          <a:lstStyle/>
+          <a:p>
+            <a:r>
+              <a:rPr lang="cs-CZ" dirty="0"/>
+              <a:t>PV293 - Softwarové architektury</a:t>
+            </a:r>
+          </a:p>
+        </p:txBody>
+      </p:sp>
+      <p:sp>
+        <p:nvSpPr>
+          <p:cNvPr id="3" name="Zástupný symbol pro číslo snímku 2">
+            <a:extLst>
+              <a:ext uri="{FF2B5EF4-FFF2-40B4-BE49-F238E27FC236}">
+                <a16:creationId xmlns:a16="http://schemas.microsoft.com/office/drawing/2014/main" id="{3CCD8916-5CF0-389C-8745-062B534D866D}"/>
+              </a:ext>
+            </a:extLst>
+          </p:cNvPr>
+          <p:cNvSpPr>
+            <a:spLocks noGrp="1"/>
+          </p:cNvSpPr>
+          <p:nvPr>
+            <p:ph type="sldNum" sz="quarter" idx="11"/>
+          </p:nvPr>
+        </p:nvSpPr>
+        <p:spPr/>
+        <p:txBody>
+          <a:bodyPr/>
+          <a:lstStyle/>
+          <a:p>
+            <a:fld id="{0970407D-EE58-4A0B-824B-1D3AE42DD9CF}" type="slidenum">
+              <a:rPr lang="en-GB" altLang="cs-CZ" noProof="0" smtClean="0"/>
+              <a:pPr/>
+              <a:t>6</a:t>
+            </a:fld>
+            <a:endParaRPr lang="en-GB" altLang="cs-CZ" noProof="0" dirty="0"/>
+          </a:p>
+        </p:txBody>
+      </p:sp>
+      <p:sp>
+        <p:nvSpPr>
+          <p:cNvPr id="4" name="Nadpis 3">
+            <a:extLst>
+              <a:ext uri="{FF2B5EF4-FFF2-40B4-BE49-F238E27FC236}">
+                <a16:creationId xmlns:a16="http://schemas.microsoft.com/office/drawing/2014/main" id="{B73B7976-AF33-344A-6215-165DE1613312}"/>
+              </a:ext>
+            </a:extLst>
+          </p:cNvPr>
+          <p:cNvSpPr>
+            <a:spLocks noGrp="1"/>
+          </p:cNvSpPr>
+          <p:nvPr>
+            <p:ph type="title"/>
+          </p:nvPr>
+        </p:nvSpPr>
+        <p:spPr/>
+        <p:txBody>
+          <a:bodyPr/>
+          <a:lstStyle/>
+          <a:p>
+            <a:r>
+              <a:rPr lang="cs-CZ" dirty="0"/>
+              <a:t>NoSQL – </a:t>
+            </a:r>
+            <a:r>
+              <a:rPr lang="cs-CZ" dirty="0" err="1"/>
+              <a:t>Key-Value</a:t>
+            </a:r>
+            <a:endParaRPr lang="en-US" dirty="0"/>
+          </a:p>
+        </p:txBody>
+      </p:sp>
+      <p:pic>
+        <p:nvPicPr>
+          <p:cNvPr id="8" name="Zástupný obsah 7" descr="Obsah obrázku text, snímek obrazovky, Písmo&#10;&#10;Obsah generovaný pomocí AI může být nesprávný.">
+            <a:extLst>
+              <a:ext uri="{FF2B5EF4-FFF2-40B4-BE49-F238E27FC236}">
+                <a16:creationId xmlns:a16="http://schemas.microsoft.com/office/drawing/2014/main" id="{3CC396D2-35D4-552E-71ED-AF95D9A5C540}"/>
+              </a:ext>
+            </a:extLst>
+          </p:cNvPr>
+          <p:cNvPicPr>
+            <a:picLocks noGrp="1" noChangeAspect="1"/>
+          </p:cNvPicPr>
+          <p:nvPr>
+            <p:ph idx="1"/>
+          </p:nvPr>
+        </p:nvPicPr>
+        <p:blipFill>
+          <a:blip r:embed="rId2">
+            <a:extLst>
+              <a:ext uri="{28A0092B-C50C-407E-A947-70E740481C1C}">
+                <a14:useLocalDpi xmlns:a14="http://schemas.microsoft.com/office/drawing/2010/main" val="0"/>
+              </a:ext>
+            </a:extLst>
+          </a:blip>
+          <a:stretch>
+            <a:fillRect/>
+          </a:stretch>
+        </p:blipFill>
+        <p:spPr>
+          <a:xfrm>
+            <a:off x="1950720" y="1520431"/>
+            <a:ext cx="7368109" cy="4191439"/>
+          </a:xfrm>
+        </p:spPr>
+      </p:pic>
+    </p:spTree>
+    <p:extLst>
+      <p:ext uri="{BB962C8B-B14F-4D97-AF65-F5344CB8AC3E}">
+        <p14:creationId xmlns:p14="http://schemas.microsoft.com/office/powerpoint/2010/main" val="4141381488"/>
+      </p:ext>
+    </p:extLst>
+  </p:cSld>
+  <p:clrMapOvr>
+    <a:masterClrMapping/>
+  </p:clrMapOvr>
+</p:sld>
+</file>
+
+<file path=ppt/slides/slide7.xml><?xml version="1.0" encoding="utf-8"?>
+<p:sld xmlns:a="http://schemas.openxmlformats.org/drawingml/2006/main" xmlns:r="http://schemas.openxmlformats.org/officeDocument/2006/relationships" xmlns:p="http://schemas.openxmlformats.org/presentationml/2006/main">
+  <p:cSld>
+    <p:spTree>
+      <p:nvGrpSpPr>
+        <p:cNvPr id="1" name="">
+          <a:extLst>
+            <a:ext uri="{FF2B5EF4-FFF2-40B4-BE49-F238E27FC236}">
+              <a16:creationId xmlns:a16="http://schemas.microsoft.com/office/drawing/2014/main" id="{6587674E-87D4-7D0E-C173-2813338B3071}"/>
+            </a:ext>
+          </a:extLst>
+        </p:cNvPr>
+        <p:cNvGrpSpPr/>
+        <p:nvPr/>
+      </p:nvGrpSpPr>
+      <p:grpSpPr>
+        <a:xfrm>
+          <a:off x="0" y="0"/>
+          <a:ext cx="0" cy="0"/>
+          <a:chOff x="0" y="0"/>
+          <a:chExt cx="0" cy="0"/>
+        </a:xfrm>
+      </p:grpSpPr>
+      <p:sp>
+        <p:nvSpPr>
+          <p:cNvPr id="2" name="Zástupný symbol pro zápatí 1">
+            <a:extLst>
+              <a:ext uri="{FF2B5EF4-FFF2-40B4-BE49-F238E27FC236}">
+                <a16:creationId xmlns:a16="http://schemas.microsoft.com/office/drawing/2014/main" id="{CCC3751E-3D31-804D-04E4-59DF7BEC269C}"/>
+              </a:ext>
+            </a:extLst>
+          </p:cNvPr>
+          <p:cNvSpPr>
+            <a:spLocks noGrp="1"/>
+          </p:cNvSpPr>
+          <p:nvPr>
+            <p:ph type="ftr" sz="quarter" idx="10"/>
+          </p:nvPr>
+        </p:nvSpPr>
+        <p:spPr/>
+        <p:txBody>
+          <a:bodyPr/>
+          <a:lstStyle/>
+          <a:p>
+            <a:r>
+              <a:rPr lang="cs-CZ" dirty="0"/>
+              <a:t>PV293 - Softwarové architektury</a:t>
+            </a:r>
+          </a:p>
+        </p:txBody>
+      </p:sp>
+      <p:sp>
+        <p:nvSpPr>
+          <p:cNvPr id="3" name="Zástupný symbol pro číslo snímku 2">
+            <a:extLst>
+              <a:ext uri="{FF2B5EF4-FFF2-40B4-BE49-F238E27FC236}">
+                <a16:creationId xmlns:a16="http://schemas.microsoft.com/office/drawing/2014/main" id="{3CA1D285-3AED-74B7-44EA-488885B4929E}"/>
+              </a:ext>
+            </a:extLst>
+          </p:cNvPr>
+          <p:cNvSpPr>
+            <a:spLocks noGrp="1"/>
+          </p:cNvSpPr>
+          <p:nvPr>
+            <p:ph type="sldNum" sz="quarter" idx="11"/>
+          </p:nvPr>
+        </p:nvSpPr>
+        <p:spPr/>
+        <p:txBody>
+          <a:bodyPr/>
+          <a:lstStyle/>
+          <a:p>
+            <a:fld id="{0970407D-EE58-4A0B-824B-1D3AE42DD9CF}" type="slidenum">
+              <a:rPr lang="en-GB" altLang="cs-CZ" noProof="0" smtClean="0"/>
+              <a:pPr/>
+              <a:t>7</a:t>
+            </a:fld>
+            <a:endParaRPr lang="en-GB" altLang="cs-CZ" noProof="0" dirty="0"/>
+          </a:p>
+        </p:txBody>
+      </p:sp>
+      <p:sp>
+        <p:nvSpPr>
+          <p:cNvPr id="4" name="Nadpis 3">
+            <a:extLst>
+              <a:ext uri="{FF2B5EF4-FFF2-40B4-BE49-F238E27FC236}">
+                <a16:creationId xmlns:a16="http://schemas.microsoft.com/office/drawing/2014/main" id="{606F630F-1261-6EFA-73DF-C96D7DD52CD1}"/>
+              </a:ext>
+            </a:extLst>
+          </p:cNvPr>
+          <p:cNvSpPr>
+            <a:spLocks noGrp="1"/>
+          </p:cNvSpPr>
+          <p:nvPr>
+            <p:ph type="title"/>
+          </p:nvPr>
+        </p:nvSpPr>
+        <p:spPr/>
+        <p:txBody>
+          <a:bodyPr/>
+          <a:lstStyle/>
+          <a:p>
+            <a:r>
+              <a:rPr lang="cs-CZ" dirty="0"/>
+              <a:t>NoSQL – </a:t>
+            </a:r>
+            <a:r>
+              <a:rPr lang="cs-CZ" dirty="0" err="1"/>
+              <a:t>Document</a:t>
+            </a:r>
+            <a:endParaRPr lang="en-US" dirty="0"/>
+          </a:p>
+        </p:txBody>
+      </p:sp>
+      <p:pic>
+        <p:nvPicPr>
+          <p:cNvPr id="9" name="Zástupný obsah 8" descr="Obsah obrázku snímek obrazovky, černá, text&#10;&#10;Obsah generovaný pomocí AI může být nesprávný.">
+            <a:extLst>
+              <a:ext uri="{FF2B5EF4-FFF2-40B4-BE49-F238E27FC236}">
+                <a16:creationId xmlns:a16="http://schemas.microsoft.com/office/drawing/2014/main" id="{66F1B18D-D5F7-09CF-8DFF-E5F87D712ED9}"/>
+              </a:ext>
+            </a:extLst>
+          </p:cNvPr>
+          <p:cNvPicPr>
+            <a:picLocks noGrp="1" noChangeAspect="1"/>
+          </p:cNvPicPr>
+          <p:nvPr>
+            <p:ph idx="1"/>
+          </p:nvPr>
+        </p:nvPicPr>
+        <p:blipFill>
+          <a:blip r:embed="rId2">
+            <a:extLst>
+              <a:ext uri="{28A0092B-C50C-407E-A947-70E740481C1C}">
+                <a14:useLocalDpi xmlns:a14="http://schemas.microsoft.com/office/drawing/2010/main" val="0"/>
+              </a:ext>
+            </a:extLst>
+          </a:blip>
+          <a:stretch>
+            <a:fillRect/>
+          </a:stretch>
+        </p:blipFill>
+        <p:spPr>
+          <a:xfrm>
+            <a:off x="1391444" y="1366558"/>
+            <a:ext cx="10721240" cy="4448174"/>
+          </a:xfrm>
+        </p:spPr>
+      </p:pic>
+    </p:spTree>
+    <p:extLst>
+      <p:ext uri="{BB962C8B-B14F-4D97-AF65-F5344CB8AC3E}">
+        <p14:creationId xmlns:p14="http://schemas.microsoft.com/office/powerpoint/2010/main" val="3077807391"/>
       </p:ext>
     </p:extLst>
   </p:cSld>
@@ -8511,12 +9361,11 @@
 </file>
 
 <file path=customXml/item1.xml><?xml version="1.0" encoding="utf-8"?>
-<?mso-contentType ?>
-<FormTemplates xmlns="http://schemas.microsoft.com/sharepoint/v3/contenttype/forms">
-  <Display>DocumentLibraryForm</Display>
-  <Edit>DocumentLibraryForm</Edit>
-  <New>DocumentLibraryForm</New>
-</FormTemplates>
+<p:properties xmlns:p="http://schemas.microsoft.com/office/2006/metadata/properties" xmlns:xsi="http://www.w3.org/2001/XMLSchema-instance" xmlns:pc="http://schemas.microsoft.com/office/infopath/2007/PartnerControls">
+  <documentManagement>
+    <_activity xmlns="c8f3fc2c-a3ba-4a56-b225-dd01e3cef7b1" xsi:nil="true"/>
+  </documentManagement>
+</p:properties>
 </file>
 
 <file path=customXml/item2.xml><?xml version="1.0" encoding="utf-8"?>
@@ -8767,17 +9616,27 @@
 </file>
 
 <file path=customXml/item3.xml><?xml version="1.0" encoding="utf-8"?>
-<p:properties xmlns:p="http://schemas.microsoft.com/office/2006/metadata/properties" xmlns:xsi="http://www.w3.org/2001/XMLSchema-instance" xmlns:pc="http://schemas.microsoft.com/office/infopath/2007/PartnerControls">
-  <documentManagement>
-    <_activity xmlns="c8f3fc2c-a3ba-4a56-b225-dd01e3cef7b1" xsi:nil="true"/>
-  </documentManagement>
-</p:properties>
+<?mso-contentType ?>
+<FormTemplates xmlns="http://schemas.microsoft.com/sharepoint/v3/contenttype/forms">
+  <Display>DocumentLibraryForm</Display>
+  <Edit>DocumentLibraryForm</Edit>
+  <New>DocumentLibraryForm</New>
+</FormTemplates>
 </file>
 
 <file path=customXml/itemProps1.xml><?xml version="1.0" encoding="utf-8"?>
-<ds:datastoreItem xmlns:ds="http://schemas.openxmlformats.org/officeDocument/2006/customXml" ds:itemID="{DD470258-C907-4A62-B6C3-E0C32F10A7DD}">
+<ds:datastoreItem xmlns:ds="http://schemas.openxmlformats.org/officeDocument/2006/customXml" ds:itemID="{E6352A82-6F1D-4C88-8599-6115178EC008}">
   <ds:schemaRefs>
-    <ds:schemaRef ds:uri="http://schemas.microsoft.com/sharepoint/v3/contenttype/forms"/>
+    <ds:schemaRef ds:uri="http://schemas.microsoft.com/office/infopath/2007/PartnerControls"/>
+    <ds:schemaRef ds:uri="http://purl.org/dc/terms/"/>
+    <ds:schemaRef ds:uri="http://www.w3.org/XML/1998/namespace"/>
+    <ds:schemaRef ds:uri="1b03cdca-bcb3-481d-aaaa-ac59088b2c30"/>
+    <ds:schemaRef ds:uri="http://schemas.microsoft.com/office/2006/documentManagement/types"/>
+    <ds:schemaRef ds:uri="http://schemas.microsoft.com/office/2006/metadata/properties"/>
+    <ds:schemaRef ds:uri="http://purl.org/dc/elements/1.1/"/>
+    <ds:schemaRef ds:uri="http://purl.org/dc/dcmitype/"/>
+    <ds:schemaRef ds:uri="http://schemas.openxmlformats.org/package/2006/metadata/core-properties"/>
+    <ds:schemaRef ds:uri="c8f3fc2c-a3ba-4a56-b225-dd01e3cef7b1"/>
   </ds:schemaRefs>
 </ds:datastoreItem>
 </file>
@@ -8802,18 +9661,9 @@
 </file>
 
 <file path=customXml/itemProps3.xml><?xml version="1.0" encoding="utf-8"?>
-<ds:datastoreItem xmlns:ds="http://schemas.openxmlformats.org/officeDocument/2006/customXml" ds:itemID="{E6352A82-6F1D-4C88-8599-6115178EC008}">
+<ds:datastoreItem xmlns:ds="http://schemas.openxmlformats.org/officeDocument/2006/customXml" ds:itemID="{DD470258-C907-4A62-B6C3-E0C32F10A7DD}">
   <ds:schemaRefs>
-    <ds:schemaRef ds:uri="http://schemas.microsoft.com/office/infopath/2007/PartnerControls"/>
-    <ds:schemaRef ds:uri="http://purl.org/dc/terms/"/>
-    <ds:schemaRef ds:uri="http://www.w3.org/XML/1998/namespace"/>
-    <ds:schemaRef ds:uri="1b03cdca-bcb3-481d-aaaa-ac59088b2c30"/>
-    <ds:schemaRef ds:uri="http://schemas.microsoft.com/office/2006/documentManagement/types"/>
-    <ds:schemaRef ds:uri="http://schemas.microsoft.com/office/2006/metadata/properties"/>
-    <ds:schemaRef ds:uri="http://purl.org/dc/elements/1.1/"/>
-    <ds:schemaRef ds:uri="http://purl.org/dc/dcmitype/"/>
-    <ds:schemaRef ds:uri="http://schemas.openxmlformats.org/package/2006/metadata/core-properties"/>
-    <ds:schemaRef ds:uri="c8f3fc2c-a3ba-4a56-b225-dd01e3cef7b1"/>
+    <ds:schemaRef ds:uri="http://schemas.microsoft.com/sharepoint/v3/contenttype/forms"/>
   </ds:schemaRefs>
 </ds:datastoreItem>
 </file>